--- a/doc/Architecture.pptx
+++ b/doc/Architecture.pptx
@@ -243,7 +243,7 @@
           <a:p>
             <a:fld id="{01C9A1C7-44EF-4B71-B678-F8252C58B49F}" type="datetimeFigureOut">
               <a:rPr lang="en-US" smtClean="0"/>
-              <a:t>11/21/2019</a:t>
+              <a:t>9/4/2020</a:t>
             </a:fld>
             <a:endParaRPr lang="en-US"/>
           </a:p>
@@ -413,7 +413,7 @@
           <a:p>
             <a:fld id="{01C9A1C7-44EF-4B71-B678-F8252C58B49F}" type="datetimeFigureOut">
               <a:rPr lang="en-US" smtClean="0"/>
-              <a:t>11/21/2019</a:t>
+              <a:t>9/4/2020</a:t>
             </a:fld>
             <a:endParaRPr lang="en-US"/>
           </a:p>
@@ -593,7 +593,7 @@
           <a:p>
             <a:fld id="{01C9A1C7-44EF-4B71-B678-F8252C58B49F}" type="datetimeFigureOut">
               <a:rPr lang="en-US" smtClean="0"/>
-              <a:t>11/21/2019</a:t>
+              <a:t>9/4/2020</a:t>
             </a:fld>
             <a:endParaRPr lang="en-US"/>
           </a:p>
@@ -763,7 +763,7 @@
           <a:p>
             <a:fld id="{01C9A1C7-44EF-4B71-B678-F8252C58B49F}" type="datetimeFigureOut">
               <a:rPr lang="en-US" smtClean="0"/>
-              <a:t>11/21/2019</a:t>
+              <a:t>9/4/2020</a:t>
             </a:fld>
             <a:endParaRPr lang="en-US"/>
           </a:p>
@@ -1009,7 +1009,7 @@
           <a:p>
             <a:fld id="{01C9A1C7-44EF-4B71-B678-F8252C58B49F}" type="datetimeFigureOut">
               <a:rPr lang="en-US" smtClean="0"/>
-              <a:t>11/21/2019</a:t>
+              <a:t>9/4/2020</a:t>
             </a:fld>
             <a:endParaRPr lang="en-US"/>
           </a:p>
@@ -1241,7 +1241,7 @@
           <a:p>
             <a:fld id="{01C9A1C7-44EF-4B71-B678-F8252C58B49F}" type="datetimeFigureOut">
               <a:rPr lang="en-US" smtClean="0"/>
-              <a:t>11/21/2019</a:t>
+              <a:t>9/4/2020</a:t>
             </a:fld>
             <a:endParaRPr lang="en-US"/>
           </a:p>
@@ -1608,7 +1608,7 @@
           <a:p>
             <a:fld id="{01C9A1C7-44EF-4B71-B678-F8252C58B49F}" type="datetimeFigureOut">
               <a:rPr lang="en-US" smtClean="0"/>
-              <a:t>11/21/2019</a:t>
+              <a:t>9/4/2020</a:t>
             </a:fld>
             <a:endParaRPr lang="en-US"/>
           </a:p>
@@ -1726,7 +1726,7 @@
           <a:p>
             <a:fld id="{01C9A1C7-44EF-4B71-B678-F8252C58B49F}" type="datetimeFigureOut">
               <a:rPr lang="en-US" smtClean="0"/>
-              <a:t>11/21/2019</a:t>
+              <a:t>9/4/2020</a:t>
             </a:fld>
             <a:endParaRPr lang="en-US"/>
           </a:p>
@@ -1821,7 +1821,7 @@
           <a:p>
             <a:fld id="{01C9A1C7-44EF-4B71-B678-F8252C58B49F}" type="datetimeFigureOut">
               <a:rPr lang="en-US" smtClean="0"/>
-              <a:t>11/21/2019</a:t>
+              <a:t>9/4/2020</a:t>
             </a:fld>
             <a:endParaRPr lang="en-US"/>
           </a:p>
@@ -2098,7 +2098,7 @@
           <a:p>
             <a:fld id="{01C9A1C7-44EF-4B71-B678-F8252C58B49F}" type="datetimeFigureOut">
               <a:rPr lang="en-US" smtClean="0"/>
-              <a:t>11/21/2019</a:t>
+              <a:t>9/4/2020</a:t>
             </a:fld>
             <a:endParaRPr lang="en-US"/>
           </a:p>
@@ -2351,7 +2351,7 @@
           <a:p>
             <a:fld id="{01C9A1C7-44EF-4B71-B678-F8252C58B49F}" type="datetimeFigureOut">
               <a:rPr lang="en-US" smtClean="0"/>
-              <a:t>11/21/2019</a:t>
+              <a:t>9/4/2020</a:t>
             </a:fld>
             <a:endParaRPr lang="en-US"/>
           </a:p>
@@ -2564,7 +2564,7 @@
           <a:p>
             <a:fld id="{01C9A1C7-44EF-4B71-B678-F8252C58B49F}" type="datetimeFigureOut">
               <a:rPr lang="en-US" smtClean="0"/>
-              <a:t>11/21/2019</a:t>
+              <a:t>9/4/2020</a:t>
             </a:fld>
             <a:endParaRPr lang="en-US"/>
           </a:p>
@@ -3026,14 +3026,14 @@
       </p:sp>
       <p:pic>
         <p:nvPicPr>
-          <p:cNvPr id="5" name="Picture 4"/>
+          <p:cNvPr id="6" name="Picture 5"/>
           <p:cNvPicPr>
             <a:picLocks noChangeAspect="1"/>
           </p:cNvPicPr>
           <p:nvPr/>
         </p:nvPicPr>
         <p:blipFill>
-          <a:blip r:embed="rId2">
+          <a:blip r:embed="rId2" cstate="print">
             <a:extLst>
               <a:ext uri="{28A0092B-C50C-407E-A947-70E740481C1C}">
                 <a14:useLocalDpi xmlns:a14="http://schemas.microsoft.com/office/drawing/2010/main" val="0"/>
@@ -3046,8 +3046,8 @@
         </p:blipFill>
         <p:spPr>
           <a:xfrm>
-            <a:off x="689923" y="2602027"/>
-            <a:ext cx="1465718" cy="1465718"/>
+            <a:off x="3439372" y="2548563"/>
+            <a:ext cx="1621625" cy="1449327"/>
           </a:xfrm>
           <a:prstGeom prst="rect">
             <a:avLst/>
@@ -3056,7 +3056,7 @@
       </p:pic>
       <p:pic>
         <p:nvPicPr>
-          <p:cNvPr id="6" name="Picture 5"/>
+          <p:cNvPr id="7" name="Picture 6"/>
           <p:cNvPicPr>
             <a:picLocks noChangeAspect="1"/>
           </p:cNvPicPr>
@@ -3076,8 +3076,8 @@
         </p:blipFill>
         <p:spPr>
           <a:xfrm>
-            <a:off x="3439372" y="2548563"/>
-            <a:ext cx="1621625" cy="1449327"/>
+            <a:off x="6500393" y="2557384"/>
+            <a:ext cx="1956330" cy="1294438"/>
           </a:xfrm>
           <a:prstGeom prst="rect">
             <a:avLst/>
@@ -3086,14 +3086,14 @@
       </p:pic>
       <p:pic>
         <p:nvPicPr>
-          <p:cNvPr id="7" name="Picture 6"/>
+          <p:cNvPr id="8" name="Picture 7"/>
           <p:cNvPicPr>
             <a:picLocks noChangeAspect="1"/>
           </p:cNvPicPr>
           <p:nvPr/>
         </p:nvPicPr>
         <p:blipFill>
-          <a:blip r:embed="rId4" cstate="print">
+          <a:blip r:embed="rId4">
             <a:extLst>
               <a:ext uri="{28A0092B-C50C-407E-A947-70E740481C1C}">
                 <a14:useLocalDpi xmlns:a14="http://schemas.microsoft.com/office/drawing/2010/main" val="0"/>
@@ -3106,44 +3106,14 @@
         </p:blipFill>
         <p:spPr>
           <a:xfrm>
-            <a:off x="6500393" y="2557384"/>
-            <a:ext cx="1956330" cy="1294438"/>
+            <a:off x="9398471" y="2324367"/>
+            <a:ext cx="2263663" cy="897308"/>
           </a:xfrm>
           <a:prstGeom prst="rect">
             <a:avLst/>
           </a:prstGeom>
         </p:spPr>
       </p:pic>
-      <p:pic>
-        <p:nvPicPr>
-          <p:cNvPr id="8" name="Picture 7"/>
-          <p:cNvPicPr>
-            <a:picLocks noChangeAspect="1"/>
-          </p:cNvPicPr>
-          <p:nvPr/>
-        </p:nvPicPr>
-        <p:blipFill>
-          <a:blip r:embed="rId5">
-            <a:extLst>
-              <a:ext uri="{28A0092B-C50C-407E-A947-70E740481C1C}">
-                <a14:useLocalDpi xmlns:a14="http://schemas.microsoft.com/office/drawing/2010/main" val="0"/>
-              </a:ext>
-            </a:extLst>
-          </a:blip>
-          <a:stretch>
-            <a:fillRect/>
-          </a:stretch>
-        </p:blipFill>
-        <p:spPr>
-          <a:xfrm>
-            <a:off x="9417037" y="2886232"/>
-            <a:ext cx="2263663" cy="897308"/>
-          </a:xfrm>
-          <a:prstGeom prst="rect">
-            <a:avLst/>
-          </a:prstGeom>
-        </p:spPr>
-      </p:pic>
       <p:sp>
         <p:nvSpPr>
           <p:cNvPr id="9" name="Right Arrow 8"/>
@@ -3152,8 +3122,8 @@
         </p:nvSpPr>
         <p:spPr>
           <a:xfrm>
-            <a:off x="2267962" y="3223645"/>
-            <a:ext cx="879605" cy="226423"/>
+            <a:off x="2473645" y="3230036"/>
+            <a:ext cx="725957" cy="226423"/>
           </a:xfrm>
           <a:prstGeom prst="rightArrow">
             <a:avLst>
@@ -3237,9 +3207,9 @@
           <p:nvPr/>
         </p:nvSpPr>
         <p:spPr>
-          <a:xfrm>
-            <a:off x="8487986" y="3230036"/>
-            <a:ext cx="660493" cy="226423"/>
+          <a:xfrm rot="20686841">
+            <a:off x="8396894" y="2891883"/>
+            <a:ext cx="910485" cy="234784"/>
           </a:xfrm>
           <a:prstGeom prst="rightArrow">
             <a:avLst>
@@ -3319,8 +3289,18 @@
                   </a:outerShdw>
                 </a:effectLst>
               </a:rPr>
-              <a:t>localhost:4200</a:t>
-            </a:r>
+              <a:t>localhost:5201</a:t>
+            </a:r>
+            <a:endParaRPr lang="en-US" sz="1600" dirty="0">
+              <a:ln w="0"/>
+              <a:effectLst>
+                <a:outerShdw blurRad="38100" dist="19050" dir="2700000" algn="tl" rotWithShape="0">
+                  <a:schemeClr val="dk1">
+                    <a:alpha val="40000"/>
+                  </a:schemeClr>
+                </a:outerShdw>
+              </a:effectLst>
+            </a:endParaRPr>
           </a:p>
           <a:p>
             <a:endParaRPr lang="en-US" sz="900" dirty="0" smtClean="0">
@@ -3360,7 +3340,7 @@
         <p:spPr>
           <a:xfrm>
             <a:off x="170481" y="2267537"/>
-            <a:ext cx="2650211" cy="3459580"/>
+            <a:ext cx="2650211" cy="4355332"/>
           </a:xfrm>
           <a:prstGeom prst="rect">
             <a:avLst/>
@@ -3408,7 +3388,7 @@
         <p:spPr>
           <a:xfrm>
             <a:off x="2836191" y="2267537"/>
-            <a:ext cx="5959099" cy="3459580"/>
+            <a:ext cx="5959099" cy="4355332"/>
           </a:xfrm>
           <a:prstGeom prst="rect">
             <a:avLst/>
@@ -3456,7 +3436,7 @@
         <p:spPr>
           <a:xfrm>
             <a:off x="8779791" y="2267537"/>
-            <a:ext cx="3223646" cy="3459580"/>
+            <a:ext cx="3223646" cy="4355332"/>
           </a:xfrm>
           <a:prstGeom prst="rect">
             <a:avLst/>
@@ -3659,8 +3639,73 @@
         </p:nvSpPr>
         <p:spPr>
           <a:xfrm>
-            <a:off x="9293794" y="4215361"/>
+            <a:off x="9250346" y="3204603"/>
             <a:ext cx="2630662" cy="954107"/>
+          </a:xfrm>
+          <a:prstGeom prst="rect">
+            <a:avLst/>
+          </a:prstGeom>
+          <a:noFill/>
+        </p:spPr>
+        <p:txBody>
+          <a:bodyPr wrap="square" lIns="91440" tIns="45720" rIns="91440" bIns="45720">
+            <a:spAutoFit/>
+          </a:bodyPr>
+          <a:lstStyle/>
+          <a:p>
+            <a:r>
+              <a:rPr lang="en-US" sz="1600" dirty="0" smtClean="0">
+                <a:ln w="0"/>
+                <a:effectLst>
+                  <a:outerShdw blurRad="38100" dist="19050" dir="2700000" algn="tl" rotWithShape="0">
+                    <a:schemeClr val="dk1">
+                      <a:alpha val="40000"/>
+                    </a:schemeClr>
+                  </a:outerShdw>
+                </a:effectLst>
+              </a:rPr>
+              <a:t>Address: localhost:8080/exist</a:t>
+            </a:r>
+          </a:p>
+          <a:p>
+            <a:endParaRPr lang="en-US" sz="800" dirty="0" smtClean="0">
+              <a:ln w="0"/>
+              <a:effectLst>
+                <a:outerShdw blurRad="38100" dist="19050" dir="2700000" algn="tl" rotWithShape="0">
+                  <a:schemeClr val="dk1">
+                    <a:alpha val="40000"/>
+                  </a:schemeClr>
+                </a:outerShdw>
+              </a:effectLst>
+            </a:endParaRPr>
+          </a:p>
+          <a:p>
+            <a:r>
+              <a:rPr lang="en-US" sz="1600" dirty="0" smtClean="0">
+                <a:ln w="0"/>
+                <a:effectLst>
+                  <a:outerShdw blurRad="38100" dist="19050" dir="2700000" algn="tl" rotWithShape="0">
+                    <a:schemeClr val="dk1">
+                      <a:alpha val="40000"/>
+                    </a:schemeClr>
+                  </a:outerShdw>
+                </a:effectLst>
+              </a:rPr>
+              <a:t>Usage:  Store data in NoSQL XML database.</a:t>
+            </a:r>
+          </a:p>
+        </p:txBody>
+      </p:sp>
+      <p:sp>
+        <p:nvSpPr>
+          <p:cNvPr id="24" name="Rectangle 23"/>
+          <p:cNvSpPr/>
+          <p:nvPr/>
+        </p:nvSpPr>
+        <p:spPr>
+          <a:xfrm>
+            <a:off x="3106713" y="4232970"/>
+            <a:ext cx="2248793" cy="1446550"/>
           </a:xfrm>
           <a:prstGeom prst="rect">
             <a:avLst/>
@@ -3697,11 +3742,9 @@
                   </a:outerShdw>
                 </a:effectLst>
               </a:rPr>
-              <a:t>localhost:8080/exist</a:t>
-            </a:r>
-          </a:p>
-          <a:p>
-            <a:endParaRPr lang="en-US" sz="800" dirty="0" smtClean="0">
+              <a:t>localhost:5201</a:t>
+            </a:r>
+            <a:endParaRPr lang="en-US" sz="1600" dirty="0" smtClean="0">
               <a:ln w="0"/>
               <a:effectLst>
                 <a:outerShdw blurRad="38100" dist="19050" dir="2700000" algn="tl" rotWithShape="0">
@@ -3711,98 +3754,6 @@
                 </a:outerShdw>
               </a:effectLst>
             </a:endParaRPr>
-          </a:p>
-          <a:p>
-            <a:r>
-              <a:rPr lang="en-US" sz="1600" dirty="0" smtClean="0">
-                <a:ln w="0"/>
-                <a:effectLst>
-                  <a:outerShdw blurRad="38100" dist="19050" dir="2700000" algn="tl" rotWithShape="0">
-                    <a:schemeClr val="dk1">
-                      <a:alpha val="40000"/>
-                    </a:schemeClr>
-                  </a:outerShdw>
-                </a:effectLst>
-              </a:rPr>
-              <a:t>Usage:  </a:t>
-            </a:r>
-            <a:r>
-              <a:rPr lang="en-US" sz="1600" dirty="0" smtClean="0">
-                <a:ln w="0"/>
-                <a:effectLst>
-                  <a:outerShdw blurRad="38100" dist="19050" dir="2700000" algn="tl" rotWithShape="0">
-                    <a:schemeClr val="dk1">
-                      <a:alpha val="40000"/>
-                    </a:schemeClr>
-                  </a:outerShdw>
-                </a:effectLst>
-              </a:rPr>
-              <a:t>Store </a:t>
-            </a:r>
-            <a:r>
-              <a:rPr lang="en-US" sz="1600" dirty="0" smtClean="0">
-                <a:ln w="0"/>
-                <a:effectLst>
-                  <a:outerShdw blurRad="38100" dist="19050" dir="2700000" algn="tl" rotWithShape="0">
-                    <a:schemeClr val="dk1">
-                      <a:alpha val="40000"/>
-                    </a:schemeClr>
-                  </a:outerShdw>
-                </a:effectLst>
-              </a:rPr>
-              <a:t>data in NoSQL XML database.</a:t>
-            </a:r>
-          </a:p>
-        </p:txBody>
-      </p:sp>
-      <p:sp>
-        <p:nvSpPr>
-          <p:cNvPr id="24" name="Rectangle 23"/>
-          <p:cNvSpPr/>
-          <p:nvPr/>
-        </p:nvSpPr>
-        <p:spPr>
-          <a:xfrm>
-            <a:off x="3106713" y="4232970"/>
-            <a:ext cx="2248793" cy="1446550"/>
-          </a:xfrm>
-          <a:prstGeom prst="rect">
-            <a:avLst/>
-          </a:prstGeom>
-          <a:noFill/>
-        </p:spPr>
-        <p:txBody>
-          <a:bodyPr wrap="square" lIns="91440" tIns="45720" rIns="91440" bIns="45720">
-            <a:spAutoFit/>
-          </a:bodyPr>
-          <a:lstStyle/>
-          <a:p>
-            <a:r>
-              <a:rPr lang="en-US" sz="1600" dirty="0" smtClean="0">
-                <a:ln w="0"/>
-                <a:effectLst>
-                  <a:outerShdw blurRad="38100" dist="19050" dir="2700000" algn="tl" rotWithShape="0">
-                    <a:schemeClr val="dk1">
-                      <a:alpha val="40000"/>
-                    </a:schemeClr>
-                  </a:outerShdw>
-                </a:effectLst>
-              </a:rPr>
-              <a:t>Address: </a:t>
-            </a:r>
-            <a:r>
-              <a:rPr lang="en-US" sz="1600" dirty="0" smtClean="0">
-                <a:ln w="0"/>
-                <a:effectLst>
-                  <a:outerShdw blurRad="38100" dist="19050" dir="2700000" algn="tl" rotWithShape="0">
-                    <a:schemeClr val="dk1">
-                      <a:alpha val="40000"/>
-                    </a:schemeClr>
-                  </a:outerShdw>
-                </a:effectLst>
-              </a:rPr>
-              <a:t>localhost:5200</a:t>
-            </a:r>
           </a:p>
           <a:p>
             <a:endParaRPr lang="en-US" sz="800" dirty="0" smtClean="0">
@@ -3866,20 +3817,7 @@
                   </a:outerShdw>
                 </a:effectLst>
               </a:rPr>
-              <a:t>Address: </a:t>
-            </a:r>
-            <a:r>
-              <a:rPr lang="en-US" sz="1600" dirty="0" smtClean="0">
-                <a:ln w="0"/>
-                <a:effectLst>
-                  <a:outerShdw blurRad="38100" dist="19050" dir="2700000" algn="tl" rotWithShape="0">
-                    <a:schemeClr val="dk1">
-                      <a:alpha val="40000"/>
-                    </a:schemeClr>
-                  </a:outerShdw>
-                </a:effectLst>
-              </a:rPr>
-              <a:t>localhost:8081</a:t>
+              <a:t>Address: localhost:8081</a:t>
             </a:r>
           </a:p>
           <a:p>
@@ -3908,6 +3846,204 @@
               </a:rPr>
               <a:t>Usage:  Proxy between backend and db. Retrieve data from database.</a:t>
             </a:r>
+          </a:p>
+        </p:txBody>
+      </p:sp>
+      <p:pic>
+        <p:nvPicPr>
+          <p:cNvPr id="2" name="Picture 1"/>
+          <p:cNvPicPr>
+            <a:picLocks noChangeAspect="1"/>
+          </p:cNvPicPr>
+          <p:nvPr/>
+        </p:nvPicPr>
+        <p:blipFill>
+          <a:blip r:embed="rId5" cstate="print">
+            <a:extLst>
+              <a:ext uri="{28A0092B-C50C-407E-A947-70E740481C1C}">
+                <a14:useLocalDpi xmlns:a14="http://schemas.microsoft.com/office/drawing/2010/main" val="0"/>
+              </a:ext>
+            </a:extLst>
+          </a:blip>
+          <a:stretch>
+            <a:fillRect/>
+          </a:stretch>
+        </p:blipFill>
+        <p:spPr>
+          <a:xfrm>
+            <a:off x="279039" y="2945194"/>
+            <a:ext cx="2122947" cy="796105"/>
+          </a:xfrm>
+          <a:prstGeom prst="rect">
+            <a:avLst/>
+          </a:prstGeom>
+        </p:spPr>
+      </p:pic>
+      <p:pic>
+        <p:nvPicPr>
+          <p:cNvPr id="3" name="Picture 2"/>
+          <p:cNvPicPr>
+            <a:picLocks noChangeAspect="1"/>
+          </p:cNvPicPr>
+          <p:nvPr/>
+        </p:nvPicPr>
+        <p:blipFill>
+          <a:blip r:embed="rId6" cstate="print">
+            <a:extLst>
+              <a:ext uri="{28A0092B-C50C-407E-A947-70E740481C1C}">
+                <a14:useLocalDpi xmlns:a14="http://schemas.microsoft.com/office/drawing/2010/main" val="0"/>
+              </a:ext>
+            </a:extLst>
+          </a:blip>
+          <a:stretch>
+            <a:fillRect/>
+          </a:stretch>
+        </p:blipFill>
+        <p:spPr>
+          <a:xfrm>
+            <a:off x="9761801" y="4207720"/>
+            <a:ext cx="1607752" cy="1607752"/>
+          </a:xfrm>
+          <a:prstGeom prst="rect">
+            <a:avLst/>
+          </a:prstGeom>
+        </p:spPr>
+      </p:pic>
+      <p:sp>
+        <p:nvSpPr>
+          <p:cNvPr id="10" name="TextBox 9"/>
+          <p:cNvSpPr txBox="1"/>
+          <p:nvPr/>
+        </p:nvSpPr>
+        <p:spPr>
+          <a:xfrm>
+            <a:off x="9159734" y="5646195"/>
+            <a:ext cx="2741135" cy="830997"/>
+          </a:xfrm>
+          <a:prstGeom prst="rect">
+            <a:avLst/>
+          </a:prstGeom>
+          <a:noFill/>
+        </p:spPr>
+        <p:txBody>
+          <a:bodyPr wrap="none" rtlCol="0">
+            <a:spAutoFit/>
+          </a:bodyPr>
+          <a:lstStyle/>
+          <a:p>
+            <a:r>
+              <a:rPr lang="en-US" sz="1600" dirty="0" smtClean="0">
+                <a:effectLst>
+                  <a:outerShdw blurRad="38100" dist="38100" dir="2700000" algn="tl">
+                    <a:srgbClr val="000000">
+                      <a:alpha val="43137"/>
+                    </a:srgbClr>
+                  </a:outerShdw>
+                </a:effectLst>
+              </a:rPr>
+              <a:t>Address: localhost:8080/</a:t>
+            </a:r>
+            <a:r>
+              <a:rPr lang="en-US" sz="1600" dirty="0" err="1" smtClean="0">
+                <a:effectLst>
+                  <a:outerShdw blurRad="38100" dist="38100" dir="2700000" algn="tl">
+                    <a:srgbClr val="000000">
+                      <a:alpha val="43137"/>
+                    </a:srgbClr>
+                  </a:outerShdw>
+                </a:effectLst>
+              </a:rPr>
+              <a:t>fuseki</a:t>
+            </a:r>
+            <a:endParaRPr lang="en-US" sz="1600" dirty="0" smtClean="0">
+              <a:effectLst>
+                <a:outerShdw blurRad="38100" dist="38100" dir="2700000" algn="tl">
+                  <a:srgbClr val="000000">
+                    <a:alpha val="43137"/>
+                  </a:srgbClr>
+                </a:outerShdw>
+              </a:effectLst>
+            </a:endParaRPr>
+          </a:p>
+          <a:p>
+            <a:r>
+              <a:rPr lang="en-US" sz="1600" dirty="0" smtClean="0">
+                <a:effectLst>
+                  <a:outerShdw blurRad="38100" dist="38100" dir="2700000" algn="tl">
+                    <a:srgbClr val="000000">
+                      <a:alpha val="43137"/>
+                    </a:srgbClr>
+                  </a:outerShdw>
+                </a:effectLst>
+              </a:rPr>
+              <a:t>Usage: Store metadata in </a:t>
+            </a:r>
+          </a:p>
+          <a:p>
+            <a:r>
+              <a:rPr lang="en-US" sz="1600" dirty="0" smtClean="0">
+                <a:effectLst>
+                  <a:outerShdw blurRad="38100" dist="38100" dir="2700000" algn="tl">
+                    <a:srgbClr val="000000">
+                      <a:alpha val="43137"/>
+                    </a:srgbClr>
+                  </a:outerShdw>
+                </a:effectLst>
+              </a:rPr>
+              <a:t>RDF database</a:t>
+            </a:r>
+            <a:endParaRPr lang="en-US" sz="1600" dirty="0">
+              <a:effectLst>
+                <a:outerShdw blurRad="38100" dist="38100" dir="2700000" algn="tl">
+                  <a:srgbClr val="000000">
+                    <a:alpha val="43137"/>
+                  </a:srgbClr>
+                </a:outerShdw>
+              </a:effectLst>
+            </a:endParaRPr>
+          </a:p>
+        </p:txBody>
+      </p:sp>
+      <p:sp>
+        <p:nvSpPr>
+          <p:cNvPr id="26" name="Right Arrow 25"/>
+          <p:cNvSpPr/>
+          <p:nvPr/>
+        </p:nvSpPr>
+        <p:spPr>
+          <a:xfrm rot="2083764">
+            <a:off x="8190567" y="4082479"/>
+            <a:ext cx="1407543" cy="257241"/>
+          </a:xfrm>
+          <a:prstGeom prst="rightArrow">
+            <a:avLst>
+              <a:gd name="adj1" fmla="val 18020"/>
+              <a:gd name="adj2" fmla="val 50000"/>
+            </a:avLst>
+          </a:prstGeom>
+        </p:spPr>
+        <p:style>
+          <a:lnRef idx="2">
+            <a:schemeClr val="accent1">
+              <a:shade val="50000"/>
+            </a:schemeClr>
+          </a:lnRef>
+          <a:fillRef idx="1">
+            <a:schemeClr val="accent1"/>
+          </a:fillRef>
+          <a:effectRef idx="0">
+            <a:schemeClr val="accent1"/>
+          </a:effectRef>
+          <a:fontRef idx="minor">
+            <a:schemeClr val="lt1"/>
+          </a:fontRef>
+        </p:style>
+        <p:txBody>
+          <a:bodyPr rtlCol="0" anchor="ctr"/>
+          <a:lstStyle/>
+          <a:p>
+            <a:pPr algn="ctr"/>
+            <a:endParaRPr lang="en-US"/>
           </a:p>
         </p:txBody>
       </p:sp>
